--- a/PowerpointHelper.pptx
+++ b/PowerpointHelper.pptx
@@ -6,6 +6,7 @@
   </p:sldMasterIdLst>
   <p:sldIdLst>
     <p:sldId id="256" r:id="rId2"/>
+    <p:sldId id="257" r:id="rId3"/>
   </p:sldIdLst>
   <p:sldSz cx="12192000" cy="6858000"/>
   <p:notesSz cx="6858000" cy="9144000"/>
@@ -104,6 +105,11 @@
       </a:defRPr>
     </a:lvl9pPr>
   </p:defaultTextStyle>
+  <p:extLst>
+    <p:ext uri="{EFAFB233-063F-42B5-8137-9DF3F51BA10A}">
+      <p15:sldGuideLst xmlns:p15="http://schemas.microsoft.com/office/powerpoint/2012/main"/>
+    </p:ext>
+  </p:extLst>
 </p:presentation>
 </file>
 
@@ -4307,6 +4313,921 @@
 </p:sld>
 </file>
 
+<file path=ppt/slides/slide2.xml><?xml version="1.0" encoding="utf-8"?>
+<p:sld xmlns:a="http://schemas.openxmlformats.org/drawingml/2006/main" xmlns:r="http://schemas.openxmlformats.org/officeDocument/2006/relationships" xmlns:p="http://schemas.openxmlformats.org/presentationml/2006/main">
+  <p:cSld>
+    <p:spTree>
+      <p:nvGrpSpPr>
+        <p:cNvPr id="1" name=""/>
+        <p:cNvGrpSpPr/>
+        <p:nvPr/>
+      </p:nvGrpSpPr>
+      <p:grpSpPr>
+        <a:xfrm>
+          <a:off x="0" y="0"/>
+          <a:ext cx="0" cy="0"/>
+          <a:chOff x="0" y="0"/>
+          <a:chExt cx="0" cy="0"/>
+        </a:xfrm>
+      </p:grpSpPr>
+      <p:pic>
+        <p:nvPicPr>
+          <p:cNvPr id="17" name="Picture 16">
+            <a:extLst>
+              <a:ext uri="{FF2B5EF4-FFF2-40B4-BE49-F238E27FC236}">
+                <a16:creationId xmlns:a16="http://schemas.microsoft.com/office/drawing/2014/main" id="{E853FD3E-298A-46FD-9E7C-0DACC69349CD}"/>
+              </a:ext>
+            </a:extLst>
+          </p:cNvPr>
+          <p:cNvPicPr>
+            <a:picLocks noChangeAspect="1"/>
+          </p:cNvPicPr>
+          <p:nvPr/>
+        </p:nvPicPr>
+        <p:blipFill>
+          <a:blip r:embed="rId2"/>
+          <a:stretch>
+            <a:fillRect/>
+          </a:stretch>
+        </p:blipFill>
+        <p:spPr>
+          <a:xfrm>
+            <a:off x="2241959" y="2658576"/>
+            <a:ext cx="952500" cy="742950"/>
+          </a:xfrm>
+          <a:prstGeom prst="rect">
+            <a:avLst/>
+          </a:prstGeom>
+        </p:spPr>
+      </p:pic>
+      <p:pic>
+        <p:nvPicPr>
+          <p:cNvPr id="65" name="Picture 64">
+            <a:extLst>
+              <a:ext uri="{FF2B5EF4-FFF2-40B4-BE49-F238E27FC236}">
+                <a16:creationId xmlns:a16="http://schemas.microsoft.com/office/drawing/2014/main" id="{68968A9E-B7C9-4389-8388-D452D684BDD6}"/>
+              </a:ext>
+            </a:extLst>
+          </p:cNvPr>
+          <p:cNvPicPr>
+            <a:picLocks noChangeAspect="1"/>
+          </p:cNvPicPr>
+          <p:nvPr/>
+        </p:nvPicPr>
+        <p:blipFill>
+          <a:blip r:embed="rId3"/>
+          <a:stretch>
+            <a:fillRect/>
+          </a:stretch>
+        </p:blipFill>
+        <p:spPr>
+          <a:xfrm>
+            <a:off x="3771154" y="388549"/>
+            <a:ext cx="1415519" cy="1501212"/>
+          </a:xfrm>
+          <a:prstGeom prst="rect">
+            <a:avLst/>
+          </a:prstGeom>
+        </p:spPr>
+      </p:pic>
+      <p:pic>
+        <p:nvPicPr>
+          <p:cNvPr id="64" name="Picture 63">
+            <a:extLst>
+              <a:ext uri="{FF2B5EF4-FFF2-40B4-BE49-F238E27FC236}">
+                <a16:creationId xmlns:a16="http://schemas.microsoft.com/office/drawing/2014/main" id="{08F2C21C-1937-4FA2-8607-F3971FFCF397}"/>
+              </a:ext>
+            </a:extLst>
+          </p:cNvPr>
+          <p:cNvPicPr>
+            <a:picLocks noChangeAspect="1"/>
+          </p:cNvPicPr>
+          <p:nvPr/>
+        </p:nvPicPr>
+        <p:blipFill>
+          <a:blip r:embed="rId4"/>
+          <a:stretch>
+            <a:fillRect/>
+          </a:stretch>
+        </p:blipFill>
+        <p:spPr>
+          <a:xfrm>
+            <a:off x="1205602" y="4252003"/>
+            <a:ext cx="1710861" cy="1043208"/>
+          </a:xfrm>
+          <a:prstGeom prst="rect">
+            <a:avLst/>
+          </a:prstGeom>
+        </p:spPr>
+      </p:pic>
+      <p:sp>
+        <p:nvSpPr>
+          <p:cNvPr id="4" name="Oval 3">
+            <a:extLst>
+              <a:ext uri="{FF2B5EF4-FFF2-40B4-BE49-F238E27FC236}">
+                <a16:creationId xmlns:a16="http://schemas.microsoft.com/office/drawing/2014/main" id="{7F9A72F6-EF92-40DA-BCA0-F2CAF58A9B60}"/>
+              </a:ext>
+            </a:extLst>
+          </p:cNvPr>
+          <p:cNvSpPr/>
+          <p:nvPr/>
+        </p:nvSpPr>
+        <p:spPr>
+          <a:xfrm>
+            <a:off x="6952899" y="2292928"/>
+            <a:ext cx="1207477" cy="1207477"/>
+          </a:xfrm>
+          <a:prstGeom prst="ellipse">
+            <a:avLst/>
+          </a:prstGeom>
+          <a:solidFill>
+            <a:schemeClr val="bg1"/>
+          </a:solidFill>
+        </p:spPr>
+        <p:style>
+          <a:lnRef idx="2">
+            <a:schemeClr val="accent1">
+              <a:shade val="50000"/>
+            </a:schemeClr>
+          </a:lnRef>
+          <a:fillRef idx="1">
+            <a:schemeClr val="accent1"/>
+          </a:fillRef>
+          <a:effectRef idx="0">
+            <a:schemeClr val="accent1"/>
+          </a:effectRef>
+          <a:fontRef idx="minor">
+            <a:schemeClr val="lt1"/>
+          </a:fontRef>
+        </p:style>
+        <p:txBody>
+          <a:bodyPr rtlCol="0" anchor="ctr"/>
+          <a:lstStyle/>
+          <a:p>
+            <a:pPr algn="ctr"/>
+            <a:r>
+              <a:rPr lang="en-US" dirty="0">
+                <a:solidFill>
+                  <a:sysClr val="windowText" lastClr="000000"/>
+                </a:solidFill>
+              </a:rPr>
+              <a:t>V=b</a:t>
+            </a:r>
+          </a:p>
+          <a:p>
+            <a:pPr algn="ctr"/>
+            <a:r>
+              <a:rPr lang="en-US" dirty="0">
+                <a:solidFill>
+                  <a:sysClr val="windowText" lastClr="000000"/>
+                </a:solidFill>
+              </a:rPr>
+              <a:t>D=full</a:t>
+            </a:r>
+          </a:p>
+          <a:p>
+            <a:pPr algn="ctr"/>
+            <a:r>
+              <a:rPr lang="en-US" dirty="0">
+                <a:solidFill>
+                  <a:sysClr val="windowText" lastClr="000000"/>
+                </a:solidFill>
+              </a:rPr>
+              <a:t>T={1,2}</a:t>
+            </a:r>
+          </a:p>
+          <a:p>
+            <a:pPr algn="ctr"/>
+            <a:r>
+              <a:rPr lang="en-US" dirty="0">
+                <a:solidFill>
+                  <a:sysClr val="windowText" lastClr="000000"/>
+                </a:solidFill>
+              </a:rPr>
+              <a:t>F={}</a:t>
+            </a:r>
+          </a:p>
+        </p:txBody>
+      </p:sp>
+      <p:pic>
+        <p:nvPicPr>
+          <p:cNvPr id="5" name="Picture 4">
+            <a:extLst>
+              <a:ext uri="{FF2B5EF4-FFF2-40B4-BE49-F238E27FC236}">
+                <a16:creationId xmlns:a16="http://schemas.microsoft.com/office/drawing/2014/main" id="{01A94C97-722E-4B16-806D-E812D4DCF7CE}"/>
+              </a:ext>
+            </a:extLst>
+          </p:cNvPr>
+          <p:cNvPicPr>
+            <a:picLocks noChangeAspect="1"/>
+          </p:cNvPicPr>
+          <p:nvPr/>
+        </p:nvPicPr>
+        <p:blipFill>
+          <a:blip r:embed="rId5"/>
+          <a:stretch>
+            <a:fillRect/>
+          </a:stretch>
+        </p:blipFill>
+        <p:spPr>
+          <a:xfrm>
+            <a:off x="8226580" y="5498123"/>
+            <a:ext cx="4714466" cy="921038"/>
+          </a:xfrm>
+          <a:prstGeom prst="rect">
+            <a:avLst/>
+          </a:prstGeom>
+        </p:spPr>
+      </p:pic>
+      <p:sp>
+        <p:nvSpPr>
+          <p:cNvPr id="39" name="Oval 38">
+            <a:extLst>
+              <a:ext uri="{FF2B5EF4-FFF2-40B4-BE49-F238E27FC236}">
+                <a16:creationId xmlns:a16="http://schemas.microsoft.com/office/drawing/2014/main" id="{12BBC333-0546-43E2-B92E-254541F0DB1A}"/>
+              </a:ext>
+            </a:extLst>
+          </p:cNvPr>
+          <p:cNvSpPr/>
+          <p:nvPr/>
+        </p:nvSpPr>
+        <p:spPr>
+          <a:xfrm>
+            <a:off x="8857019" y="1470073"/>
+            <a:ext cx="1207477" cy="1207477"/>
+          </a:xfrm>
+          <a:prstGeom prst="ellipse">
+            <a:avLst/>
+          </a:prstGeom>
+          <a:solidFill>
+            <a:schemeClr val="bg1"/>
+          </a:solidFill>
+        </p:spPr>
+        <p:style>
+          <a:lnRef idx="2">
+            <a:schemeClr val="accent1">
+              <a:shade val="50000"/>
+            </a:schemeClr>
+          </a:lnRef>
+          <a:fillRef idx="1">
+            <a:schemeClr val="accent1"/>
+          </a:fillRef>
+          <a:effectRef idx="0">
+            <a:schemeClr val="accent1"/>
+          </a:effectRef>
+          <a:fontRef idx="minor">
+            <a:schemeClr val="lt1"/>
+          </a:fontRef>
+        </p:style>
+        <p:txBody>
+          <a:bodyPr rtlCol="0" anchor="ctr"/>
+          <a:lstStyle/>
+          <a:p>
+            <a:pPr algn="ctr"/>
+            <a:r>
+              <a:rPr lang="en-US" dirty="0">
+                <a:solidFill>
+                  <a:sysClr val="windowText" lastClr="000000"/>
+                </a:solidFill>
+              </a:rPr>
+              <a:t>V=e</a:t>
+            </a:r>
+          </a:p>
+          <a:p>
+            <a:pPr algn="ctr"/>
+            <a:r>
+              <a:rPr lang="en-US" dirty="0">
+                <a:solidFill>
+                  <a:sysClr val="windowText" lastClr="000000"/>
+                </a:solidFill>
+              </a:rPr>
+              <a:t>D=0</a:t>
+            </a:r>
+          </a:p>
+          <a:p>
+            <a:pPr algn="ctr"/>
+            <a:r>
+              <a:rPr lang="en-US" dirty="0">
+                <a:solidFill>
+                  <a:sysClr val="windowText" lastClr="000000"/>
+                </a:solidFill>
+              </a:rPr>
+              <a:t>T={1}</a:t>
+            </a:r>
+          </a:p>
+          <a:p>
+            <a:pPr algn="ctr"/>
+            <a:r>
+              <a:rPr lang="en-US" dirty="0">
+                <a:solidFill>
+                  <a:sysClr val="windowText" lastClr="000000"/>
+                </a:solidFill>
+              </a:rPr>
+              <a:t>F={2}</a:t>
+            </a:r>
+          </a:p>
+        </p:txBody>
+      </p:sp>
+      <p:cxnSp>
+        <p:nvCxnSpPr>
+          <p:cNvPr id="41" name="Straight Arrow Connector 40">
+            <a:extLst>
+              <a:ext uri="{FF2B5EF4-FFF2-40B4-BE49-F238E27FC236}">
+                <a16:creationId xmlns:a16="http://schemas.microsoft.com/office/drawing/2014/main" id="{B6C71040-6759-40ED-8822-ECF26B7C47F1}"/>
+              </a:ext>
+            </a:extLst>
+          </p:cNvPr>
+          <p:cNvCxnSpPr>
+            <a:cxnSpLocks/>
+            <a:stCxn id="4" idx="7"/>
+            <a:endCxn id="39" idx="2"/>
+          </p:cNvCxnSpPr>
+          <p:nvPr/>
+        </p:nvCxnSpPr>
+        <p:spPr>
+          <a:xfrm flipV="1">
+            <a:off x="7983545" y="2073812"/>
+            <a:ext cx="873474" cy="395947"/>
+          </a:xfrm>
+          <a:prstGeom prst="straightConnector1">
+            <a:avLst/>
+          </a:prstGeom>
+          <a:ln>
+            <a:tailEnd type="triangle"/>
+          </a:ln>
+        </p:spPr>
+        <p:style>
+          <a:lnRef idx="1">
+            <a:schemeClr val="accent1"/>
+          </a:lnRef>
+          <a:fillRef idx="0">
+            <a:schemeClr val="accent1"/>
+          </a:fillRef>
+          <a:effectRef idx="0">
+            <a:schemeClr val="accent1"/>
+          </a:effectRef>
+          <a:fontRef idx="minor">
+            <a:schemeClr val="tx1"/>
+          </a:fontRef>
+        </p:style>
+      </p:cxnSp>
+      <p:cxnSp>
+        <p:nvCxnSpPr>
+          <p:cNvPr id="43" name="Straight Arrow Connector 42">
+            <a:extLst>
+              <a:ext uri="{FF2B5EF4-FFF2-40B4-BE49-F238E27FC236}">
+                <a16:creationId xmlns:a16="http://schemas.microsoft.com/office/drawing/2014/main" id="{7774137A-D1E2-4808-B554-309FA58DFA3A}"/>
+              </a:ext>
+            </a:extLst>
+          </p:cNvPr>
+          <p:cNvCxnSpPr>
+            <a:cxnSpLocks/>
+            <a:stCxn id="4" idx="5"/>
+            <a:endCxn id="36" idx="2"/>
+          </p:cNvCxnSpPr>
+          <p:nvPr/>
+        </p:nvCxnSpPr>
+        <p:spPr>
+          <a:xfrm>
+            <a:off x="7983545" y="3323574"/>
+            <a:ext cx="927997" cy="394870"/>
+          </a:xfrm>
+          <a:prstGeom prst="straightConnector1">
+            <a:avLst/>
+          </a:prstGeom>
+          <a:ln>
+            <a:tailEnd type="triangle"/>
+          </a:ln>
+        </p:spPr>
+        <p:style>
+          <a:lnRef idx="1">
+            <a:schemeClr val="accent1"/>
+          </a:lnRef>
+          <a:fillRef idx="0">
+            <a:schemeClr val="accent1"/>
+          </a:fillRef>
+          <a:effectRef idx="0">
+            <a:schemeClr val="accent1"/>
+          </a:effectRef>
+          <a:fontRef idx="minor">
+            <a:schemeClr val="tx1"/>
+          </a:fontRef>
+        </p:style>
+      </p:cxnSp>
+      <p:sp>
+        <p:nvSpPr>
+          <p:cNvPr id="44" name="Oval 43">
+            <a:extLst>
+              <a:ext uri="{FF2B5EF4-FFF2-40B4-BE49-F238E27FC236}">
+                <a16:creationId xmlns:a16="http://schemas.microsoft.com/office/drawing/2014/main" id="{3F0DF166-7C10-4DD2-9B61-694DBDBD1832}"/>
+              </a:ext>
+            </a:extLst>
+          </p:cNvPr>
+          <p:cNvSpPr/>
+          <p:nvPr/>
+        </p:nvSpPr>
+        <p:spPr>
+          <a:xfrm>
+            <a:off x="4208456" y="1611498"/>
+            <a:ext cx="623667" cy="623667"/>
+          </a:xfrm>
+          <a:prstGeom prst="ellipse">
+            <a:avLst/>
+          </a:prstGeom>
+        </p:spPr>
+        <p:style>
+          <a:lnRef idx="2">
+            <a:schemeClr val="accent1">
+              <a:shade val="50000"/>
+            </a:schemeClr>
+          </a:lnRef>
+          <a:fillRef idx="1">
+            <a:schemeClr val="accent1"/>
+          </a:fillRef>
+          <a:effectRef idx="0">
+            <a:schemeClr val="accent1"/>
+          </a:effectRef>
+          <a:fontRef idx="minor">
+            <a:schemeClr val="lt1"/>
+          </a:fontRef>
+        </p:style>
+        <p:txBody>
+          <a:bodyPr rtlCol="0" anchor="ctr"/>
+          <a:lstStyle/>
+          <a:p>
+            <a:pPr algn="ctr"/>
+            <a:endParaRPr lang="en-US"/>
+          </a:p>
+        </p:txBody>
+      </p:sp>
+      <p:sp>
+        <p:nvSpPr>
+          <p:cNvPr id="46" name="Oval 45">
+            <a:extLst>
+              <a:ext uri="{FF2B5EF4-FFF2-40B4-BE49-F238E27FC236}">
+                <a16:creationId xmlns:a16="http://schemas.microsoft.com/office/drawing/2014/main" id="{B0ABC28A-473B-4CC8-8624-7224A3154C30}"/>
+              </a:ext>
+            </a:extLst>
+          </p:cNvPr>
+          <p:cNvSpPr/>
+          <p:nvPr/>
+        </p:nvSpPr>
+        <p:spPr>
+          <a:xfrm>
+            <a:off x="3023148" y="2805333"/>
+            <a:ext cx="623667" cy="623667"/>
+          </a:xfrm>
+          <a:prstGeom prst="ellipse">
+            <a:avLst/>
+          </a:prstGeom>
+        </p:spPr>
+        <p:style>
+          <a:lnRef idx="2">
+            <a:schemeClr val="accent1">
+              <a:shade val="50000"/>
+            </a:schemeClr>
+          </a:lnRef>
+          <a:fillRef idx="1">
+            <a:schemeClr val="accent1"/>
+          </a:fillRef>
+          <a:effectRef idx="0">
+            <a:schemeClr val="accent1"/>
+          </a:effectRef>
+          <a:fontRef idx="minor">
+            <a:schemeClr val="lt1"/>
+          </a:fontRef>
+        </p:style>
+        <p:txBody>
+          <a:bodyPr rtlCol="0" anchor="ctr"/>
+          <a:lstStyle/>
+          <a:p>
+            <a:pPr algn="ctr"/>
+            <a:r>
+              <a:rPr lang="en-US" dirty="0"/>
+              <a:t>b</a:t>
+            </a:r>
+          </a:p>
+        </p:txBody>
+      </p:sp>
+      <p:sp>
+        <p:nvSpPr>
+          <p:cNvPr id="47" name="Oval 46">
+            <a:extLst>
+              <a:ext uri="{FF2B5EF4-FFF2-40B4-BE49-F238E27FC236}">
+                <a16:creationId xmlns:a16="http://schemas.microsoft.com/office/drawing/2014/main" id="{D6C803FC-66BD-4084-B6E6-F28162362009}"/>
+              </a:ext>
+            </a:extLst>
+          </p:cNvPr>
+          <p:cNvSpPr/>
+          <p:nvPr/>
+        </p:nvSpPr>
+        <p:spPr>
+          <a:xfrm>
+            <a:off x="2144386" y="4160522"/>
+            <a:ext cx="623667" cy="623667"/>
+          </a:xfrm>
+          <a:prstGeom prst="ellipse">
+            <a:avLst/>
+          </a:prstGeom>
+        </p:spPr>
+        <p:style>
+          <a:lnRef idx="2">
+            <a:schemeClr val="accent1">
+              <a:shade val="50000"/>
+            </a:schemeClr>
+          </a:lnRef>
+          <a:fillRef idx="1">
+            <a:schemeClr val="accent1"/>
+          </a:fillRef>
+          <a:effectRef idx="0">
+            <a:schemeClr val="accent1"/>
+          </a:effectRef>
+          <a:fontRef idx="minor">
+            <a:schemeClr val="lt1"/>
+          </a:fontRef>
+        </p:style>
+        <p:txBody>
+          <a:bodyPr rtlCol="0" anchor="ctr"/>
+          <a:lstStyle/>
+          <a:p>
+            <a:pPr algn="ctr"/>
+            <a:r>
+              <a:rPr lang="en-US" dirty="0"/>
+              <a:t>e</a:t>
+            </a:r>
+          </a:p>
+        </p:txBody>
+      </p:sp>
+      <p:cxnSp>
+        <p:nvCxnSpPr>
+          <p:cNvPr id="51" name="Straight Connector 50">
+            <a:extLst>
+              <a:ext uri="{FF2B5EF4-FFF2-40B4-BE49-F238E27FC236}">
+                <a16:creationId xmlns:a16="http://schemas.microsoft.com/office/drawing/2014/main" id="{3C1E4701-A9BE-49BC-BE84-4859CB4E87EB}"/>
+              </a:ext>
+            </a:extLst>
+          </p:cNvPr>
+          <p:cNvCxnSpPr>
+            <a:cxnSpLocks/>
+            <a:stCxn id="44" idx="3"/>
+            <a:endCxn id="46" idx="7"/>
+          </p:cNvCxnSpPr>
+          <p:nvPr/>
+        </p:nvCxnSpPr>
+        <p:spPr>
+          <a:xfrm flipH="1">
+            <a:off x="3555481" y="2143831"/>
+            <a:ext cx="744309" cy="752836"/>
+          </a:xfrm>
+          <a:prstGeom prst="line">
+            <a:avLst/>
+          </a:prstGeom>
+        </p:spPr>
+        <p:style>
+          <a:lnRef idx="1">
+            <a:schemeClr val="accent1"/>
+          </a:lnRef>
+          <a:fillRef idx="0">
+            <a:schemeClr val="accent1"/>
+          </a:fillRef>
+          <a:effectRef idx="0">
+            <a:schemeClr val="accent1"/>
+          </a:effectRef>
+          <a:fontRef idx="minor">
+            <a:schemeClr val="tx1"/>
+          </a:fontRef>
+        </p:style>
+      </p:cxnSp>
+      <p:cxnSp>
+        <p:nvCxnSpPr>
+          <p:cNvPr id="57" name="Straight Connector 56">
+            <a:extLst>
+              <a:ext uri="{FF2B5EF4-FFF2-40B4-BE49-F238E27FC236}">
+                <a16:creationId xmlns:a16="http://schemas.microsoft.com/office/drawing/2014/main" id="{222423AC-1B24-4971-AFA2-E71D362DC7E2}"/>
+              </a:ext>
+            </a:extLst>
+          </p:cNvPr>
+          <p:cNvCxnSpPr>
+            <a:stCxn id="46" idx="3"/>
+            <a:endCxn id="47" idx="7"/>
+          </p:cNvCxnSpPr>
+          <p:nvPr/>
+        </p:nvCxnSpPr>
+        <p:spPr>
+          <a:xfrm flipH="1">
+            <a:off x="2676719" y="3337666"/>
+            <a:ext cx="437763" cy="914190"/>
+          </a:xfrm>
+          <a:prstGeom prst="line">
+            <a:avLst/>
+          </a:prstGeom>
+        </p:spPr>
+        <p:style>
+          <a:lnRef idx="1">
+            <a:schemeClr val="accent1"/>
+          </a:lnRef>
+          <a:fillRef idx="0">
+            <a:schemeClr val="accent1"/>
+          </a:fillRef>
+          <a:effectRef idx="0">
+            <a:schemeClr val="accent1"/>
+          </a:effectRef>
+          <a:fontRef idx="minor">
+            <a:schemeClr val="tx1"/>
+          </a:fontRef>
+        </p:style>
+      </p:cxnSp>
+      <p:pic>
+        <p:nvPicPr>
+          <p:cNvPr id="25" name="Picture 24">
+            <a:extLst>
+              <a:ext uri="{FF2B5EF4-FFF2-40B4-BE49-F238E27FC236}">
+                <a16:creationId xmlns:a16="http://schemas.microsoft.com/office/drawing/2014/main" id="{03D27BB1-67F5-4F38-B87C-FBEE50B913C6}"/>
+              </a:ext>
+            </a:extLst>
+          </p:cNvPr>
+          <p:cNvPicPr>
+            <a:picLocks noChangeAspect="1"/>
+          </p:cNvPicPr>
+          <p:nvPr/>
+        </p:nvPicPr>
+        <p:blipFill>
+          <a:blip r:embed="rId4"/>
+          <a:stretch>
+            <a:fillRect/>
+          </a:stretch>
+        </p:blipFill>
+        <p:spPr>
+          <a:xfrm>
+            <a:off x="3448796" y="4343337"/>
+            <a:ext cx="1710861" cy="1043208"/>
+          </a:xfrm>
+          <a:prstGeom prst="rect">
+            <a:avLst/>
+          </a:prstGeom>
+        </p:spPr>
+      </p:pic>
+      <p:sp>
+        <p:nvSpPr>
+          <p:cNvPr id="26" name="Oval 25">
+            <a:extLst>
+              <a:ext uri="{FF2B5EF4-FFF2-40B4-BE49-F238E27FC236}">
+                <a16:creationId xmlns:a16="http://schemas.microsoft.com/office/drawing/2014/main" id="{A9844E7A-8214-418C-A039-009DF80451DB}"/>
+              </a:ext>
+            </a:extLst>
+          </p:cNvPr>
+          <p:cNvSpPr/>
+          <p:nvPr/>
+        </p:nvSpPr>
+        <p:spPr>
+          <a:xfrm>
+            <a:off x="4387580" y="4251856"/>
+            <a:ext cx="623667" cy="623667"/>
+          </a:xfrm>
+          <a:prstGeom prst="ellipse">
+            <a:avLst/>
+          </a:prstGeom>
+        </p:spPr>
+        <p:style>
+          <a:lnRef idx="2">
+            <a:schemeClr val="accent1">
+              <a:shade val="50000"/>
+            </a:schemeClr>
+          </a:lnRef>
+          <a:fillRef idx="1">
+            <a:schemeClr val="accent1"/>
+          </a:fillRef>
+          <a:effectRef idx="0">
+            <a:schemeClr val="accent1"/>
+          </a:effectRef>
+          <a:fontRef idx="minor">
+            <a:schemeClr val="lt1"/>
+          </a:fontRef>
+        </p:style>
+        <p:txBody>
+          <a:bodyPr rtlCol="0" anchor="ctr"/>
+          <a:lstStyle/>
+          <a:p>
+            <a:pPr algn="ctr"/>
+            <a:r>
+              <a:rPr lang="en-US" dirty="0"/>
+              <a:t>s</a:t>
+            </a:r>
+          </a:p>
+        </p:txBody>
+      </p:sp>
+      <p:cxnSp>
+        <p:nvCxnSpPr>
+          <p:cNvPr id="27" name="Straight Connector 26">
+            <a:extLst>
+              <a:ext uri="{FF2B5EF4-FFF2-40B4-BE49-F238E27FC236}">
+                <a16:creationId xmlns:a16="http://schemas.microsoft.com/office/drawing/2014/main" id="{D2A6CE56-964E-4691-AAF3-9F4F0929A5B8}"/>
+              </a:ext>
+            </a:extLst>
+          </p:cNvPr>
+          <p:cNvCxnSpPr>
+            <a:cxnSpLocks/>
+            <a:stCxn id="46" idx="5"/>
+            <a:endCxn id="26" idx="1"/>
+          </p:cNvCxnSpPr>
+          <p:nvPr/>
+        </p:nvCxnSpPr>
+        <p:spPr>
+          <a:xfrm>
+            <a:off x="3555481" y="3337666"/>
+            <a:ext cx="923433" cy="1005524"/>
+          </a:xfrm>
+          <a:prstGeom prst="line">
+            <a:avLst/>
+          </a:prstGeom>
+        </p:spPr>
+        <p:style>
+          <a:lnRef idx="1">
+            <a:schemeClr val="accent1"/>
+          </a:lnRef>
+          <a:fillRef idx="0">
+            <a:schemeClr val="accent1"/>
+          </a:fillRef>
+          <a:effectRef idx="0">
+            <a:schemeClr val="accent1"/>
+          </a:effectRef>
+          <a:fontRef idx="minor">
+            <a:schemeClr val="tx1"/>
+          </a:fontRef>
+        </p:style>
+      </p:cxnSp>
+      <p:sp>
+        <p:nvSpPr>
+          <p:cNvPr id="30" name="TextBox 29">
+            <a:extLst>
+              <a:ext uri="{FF2B5EF4-FFF2-40B4-BE49-F238E27FC236}">
+                <a16:creationId xmlns:a16="http://schemas.microsoft.com/office/drawing/2014/main" id="{EE116363-396E-4750-A862-B8FEA4F1B9C5}"/>
+              </a:ext>
+            </a:extLst>
+          </p:cNvPr>
+          <p:cNvSpPr txBox="1"/>
+          <p:nvPr/>
+        </p:nvSpPr>
+        <p:spPr>
+          <a:xfrm>
+            <a:off x="3988128" y="3471096"/>
+            <a:ext cx="1422569" cy="369332"/>
+          </a:xfrm>
+          <a:prstGeom prst="rect">
+            <a:avLst/>
+          </a:prstGeom>
+          <a:noFill/>
+        </p:spPr>
+        <p:txBody>
+          <a:bodyPr wrap="none" rtlCol="0">
+            <a:spAutoFit/>
+          </a:bodyPr>
+          <a:lstStyle/>
+          <a:p>
+            <a:r>
+              <a:rPr lang="en-US" dirty="0"/>
+              <a:t>Dist = d_refill</a:t>
+            </a:r>
+          </a:p>
+        </p:txBody>
+      </p:sp>
+      <p:sp>
+        <p:nvSpPr>
+          <p:cNvPr id="31" name="TextBox 30">
+            <a:extLst>
+              <a:ext uri="{FF2B5EF4-FFF2-40B4-BE49-F238E27FC236}">
+                <a16:creationId xmlns:a16="http://schemas.microsoft.com/office/drawing/2014/main" id="{F1DF52E0-114C-4E57-81A1-0E0F9CD5E4C0}"/>
+              </a:ext>
+            </a:extLst>
+          </p:cNvPr>
+          <p:cNvSpPr txBox="1"/>
+          <p:nvPr/>
+        </p:nvSpPr>
+        <p:spPr>
+          <a:xfrm>
+            <a:off x="1487788" y="3510498"/>
+            <a:ext cx="1422569" cy="369332"/>
+          </a:xfrm>
+          <a:prstGeom prst="rect">
+            <a:avLst/>
+          </a:prstGeom>
+          <a:noFill/>
+        </p:spPr>
+        <p:txBody>
+          <a:bodyPr wrap="none" rtlCol="0">
+            <a:spAutoFit/>
+          </a:bodyPr>
+          <a:lstStyle/>
+          <a:p>
+            <a:r>
+              <a:rPr lang="en-US" dirty="0"/>
+              <a:t>Dist = d_refill</a:t>
+            </a:r>
+          </a:p>
+        </p:txBody>
+      </p:sp>
+      <p:sp>
+        <p:nvSpPr>
+          <p:cNvPr id="36" name="Oval 35">
+            <a:extLst>
+              <a:ext uri="{FF2B5EF4-FFF2-40B4-BE49-F238E27FC236}">
+                <a16:creationId xmlns:a16="http://schemas.microsoft.com/office/drawing/2014/main" id="{070E0DE4-0452-40CB-9D4C-E7146A8C0E28}"/>
+              </a:ext>
+            </a:extLst>
+          </p:cNvPr>
+          <p:cNvSpPr/>
+          <p:nvPr/>
+        </p:nvSpPr>
+        <p:spPr>
+          <a:xfrm>
+            <a:off x="8911542" y="3114705"/>
+            <a:ext cx="1207477" cy="1207477"/>
+          </a:xfrm>
+          <a:prstGeom prst="ellipse">
+            <a:avLst/>
+          </a:prstGeom>
+          <a:solidFill>
+            <a:schemeClr val="bg1"/>
+          </a:solidFill>
+        </p:spPr>
+        <p:style>
+          <a:lnRef idx="2">
+            <a:schemeClr val="accent1">
+              <a:shade val="50000"/>
+            </a:schemeClr>
+          </a:lnRef>
+          <a:fillRef idx="1">
+            <a:schemeClr val="accent1"/>
+          </a:fillRef>
+          <a:effectRef idx="0">
+            <a:schemeClr val="accent1"/>
+          </a:effectRef>
+          <a:fontRef idx="minor">
+            <a:schemeClr val="lt1"/>
+          </a:fontRef>
+        </p:style>
+        <p:txBody>
+          <a:bodyPr rtlCol="0" anchor="ctr"/>
+          <a:lstStyle/>
+          <a:p>
+            <a:pPr algn="ctr"/>
+            <a:r>
+              <a:rPr lang="en-US" dirty="0">
+                <a:solidFill>
+                  <a:sysClr val="windowText" lastClr="000000"/>
+                </a:solidFill>
+              </a:rPr>
+              <a:t>V=s</a:t>
+            </a:r>
+          </a:p>
+          <a:p>
+            <a:pPr algn="ctr"/>
+            <a:r>
+              <a:rPr lang="en-US" dirty="0">
+                <a:solidFill>
+                  <a:sysClr val="windowText" lastClr="000000"/>
+                </a:solidFill>
+              </a:rPr>
+              <a:t>D=0</a:t>
+            </a:r>
+          </a:p>
+          <a:p>
+            <a:pPr algn="ctr"/>
+            <a:r>
+              <a:rPr lang="en-US" dirty="0">
+                <a:solidFill>
+                  <a:sysClr val="windowText" lastClr="000000"/>
+                </a:solidFill>
+              </a:rPr>
+              <a:t>T={2}</a:t>
+            </a:r>
+          </a:p>
+          <a:p>
+            <a:pPr algn="ctr"/>
+            <a:r>
+              <a:rPr lang="en-US" dirty="0">
+                <a:solidFill>
+                  <a:sysClr val="windowText" lastClr="000000"/>
+                </a:solidFill>
+              </a:rPr>
+              <a:t>F={1}</a:t>
+            </a:r>
+          </a:p>
+        </p:txBody>
+      </p:sp>
+    </p:spTree>
+    <p:extLst>
+      <p:ext uri="{BB962C8B-B14F-4D97-AF65-F5344CB8AC3E}">
+        <p14:creationId xmlns:p14="http://schemas.microsoft.com/office/powerpoint/2010/main" val="3687547370"/>
+      </p:ext>
+    </p:extLst>
+  </p:cSld>
+  <p:clrMapOvr>
+    <a:masterClrMapping/>
+  </p:clrMapOvr>
+</p:sld>
+</file>
+
 <file path=ppt/theme/theme1.xml><?xml version="1.0" encoding="utf-8"?>
 <a:theme xmlns:a="http://schemas.openxmlformats.org/drawingml/2006/main" name="Office Theme">
   <a:themeElements>
